--- a/os/ppt/thread.pptx
+++ b/os/ppt/thread.pptx
@@ -5,7 +5,7 @@
     <p:sldMasterId id="2147483648" r:id="rId1"/>
   </p:sldMasterIdLst>
   <p:notesMasterIdLst>
-    <p:notesMasterId r:id="rId26"/>
+    <p:notesMasterId r:id="rId27"/>
   </p:notesMasterIdLst>
   <p:sldIdLst>
     <p:sldId id="409" r:id="rId2"/>
@@ -30,8 +30,9 @@
     <p:sldId id="416" r:id="rId21"/>
     <p:sldId id="422" r:id="rId22"/>
     <p:sldId id="452" r:id="rId23"/>
-    <p:sldId id="453" r:id="rId24"/>
-    <p:sldId id="454" r:id="rId25"/>
+    <p:sldId id="455" r:id="rId24"/>
+    <p:sldId id="453" r:id="rId25"/>
+    <p:sldId id="454" r:id="rId26"/>
   </p:sldIdLst>
   <p:sldSz cx="12192000" cy="6858000"/>
   <p:notesSz cx="6858000" cy="9144000"/>
@@ -541,7 +542,16 @@
               <a:rPr lang="en-US" smtClean="0">
                 <a:hlinkClick r:id="rId3"/>
               </a:rPr>
-              <a:t>https://mengsec.com/2019/03/04/Python3-advanced-feature-learning/</a:t>
+              <a:t>http://qiusuoge.com/16291.html</a:t>
+            </a:r>
+            <a:endParaRPr lang="en-US" smtClean="0"/>
+          </a:p>
+          <a:p>
+            <a:r>
+              <a:rPr lang="en-US" smtClean="0">
+                <a:hlinkClick r:id="rId4"/>
+              </a:rPr>
+              <a:t>https://www.boost.org/doc/libs/1_60_0/doc/html/boost_asio/reference/coroutine/</a:t>
             </a:r>
             <a:endParaRPr lang="zh-CN" altLang="en-US"/>
           </a:p>
@@ -566,6 +576,231 @@
               <a:rPr lang="zh-CN" altLang="en-US" smtClean="0"/>
               <a:pPr/>
               <a:t>23</a:t>
+            </a:fld>
+            <a:endParaRPr lang="zh-CN" altLang="en-US"/>
+          </a:p>
+        </p:txBody>
+      </p:sp>
+    </p:spTree>
+  </p:cSld>
+  <p:clrMapOvr>
+    <a:masterClrMapping/>
+  </p:clrMapOvr>
+</p:notes>
+</file>
+
+<file path=ppt/notesSlides/notesSlide2.xml><?xml version="1.0" encoding="utf-8"?>
+<p:notes xmlns:a="http://schemas.openxmlformats.org/drawingml/2006/main" xmlns:r="http://schemas.openxmlformats.org/officeDocument/2006/relationships" xmlns:p="http://schemas.openxmlformats.org/presentationml/2006/main">
+  <p:cSld>
+    <p:spTree>
+      <p:nvGrpSpPr>
+        <p:cNvPr id="1" name=""/>
+        <p:cNvGrpSpPr/>
+        <p:nvPr/>
+      </p:nvGrpSpPr>
+      <p:grpSpPr>
+        <a:xfrm>
+          <a:off x="0" y="0"/>
+          <a:ext cx="0" cy="0"/>
+          <a:chOff x="0" y="0"/>
+          <a:chExt cx="0" cy="0"/>
+        </a:xfrm>
+      </p:grpSpPr>
+      <p:sp>
+        <p:nvSpPr>
+          <p:cNvPr id="2" name="幻灯片图像占位符 1"/>
+          <p:cNvSpPr>
+            <a:spLocks noGrp="1" noRot="1" noChangeAspect="1"/>
+          </p:cNvSpPr>
+          <p:nvPr>
+            <p:ph type="sldImg"/>
+          </p:nvPr>
+        </p:nvSpPr>
+        <p:spPr/>
+      </p:sp>
+      <p:sp>
+        <p:nvSpPr>
+          <p:cNvPr id="3" name="备注占位符 2"/>
+          <p:cNvSpPr>
+            <a:spLocks noGrp="1"/>
+          </p:cNvSpPr>
+          <p:nvPr>
+            <p:ph type="body" idx="1"/>
+          </p:nvPr>
+        </p:nvSpPr>
+        <p:spPr/>
+        <p:txBody>
+          <a:bodyPr>
+            <a:normAutofit/>
+          </a:bodyPr>
+          <a:lstStyle/>
+          <a:p>
+            <a:r>
+              <a:rPr lang="en-US" smtClean="0">
+                <a:hlinkClick r:id="rId3"/>
+              </a:rPr>
+              <a:t>https://mengsec.com/2019/03/04/Python3-advanced-feature-learning/</a:t>
+            </a:r>
+            <a:endParaRPr lang="en-US" smtClean="0"/>
+          </a:p>
+          <a:p>
+            <a:r>
+              <a:rPr lang="en-US" smtClean="0">
+                <a:hlinkClick r:id="rId4"/>
+              </a:rPr>
+              <a:t>https://www.runoob.com/w3cnote/python-yield-used-analysis.html</a:t>
+            </a:r>
+            <a:endParaRPr lang="en-US" smtClean="0"/>
+          </a:p>
+          <a:p>
+            <a:r>
+              <a:rPr lang="en-US" smtClean="0">
+                <a:hlinkClick r:id="rId5"/>
+              </a:rPr>
+              <a:t>https://gqw.github.io/blog/2020/10/01/%E4%BB%8Ehellowold%E5%BC%80%E5%A7%8B%E6%B7%B1%E5%85%A5%E6%B5%85%E5%87%BAc-20-coroutine-ts/#</a:t>
+            </a:r>
+            <a:r>
+              <a:rPr lang="en-US" smtClean="0">
+                <a:hlinkClick r:id="rId5"/>
+              </a:rPr>
+              <a:t>ref_8</a:t>
+            </a:r>
+            <a:endParaRPr lang="en-US" smtClean="0"/>
+          </a:p>
+          <a:p>
+            <a:r>
+              <a:rPr lang="en-US" altLang="zh-CN" smtClean="0"/>
+              <a:t>https://shockwave.me/8260120b7806  Stackless Coroutine  Stackless Resumable Functions</a:t>
+            </a:r>
+            <a:endParaRPr lang="zh-CN" altLang="en-US"/>
+          </a:p>
+        </p:txBody>
+      </p:sp>
+      <p:sp>
+        <p:nvSpPr>
+          <p:cNvPr id="4" name="灯片编号占位符 3"/>
+          <p:cNvSpPr>
+            <a:spLocks noGrp="1"/>
+          </p:cNvSpPr>
+          <p:nvPr>
+            <p:ph type="sldNum" sz="quarter" idx="10"/>
+          </p:nvPr>
+        </p:nvSpPr>
+        <p:spPr/>
+        <p:txBody>
+          <a:bodyPr/>
+          <a:lstStyle/>
+          <a:p>
+            <a:fld id="{A6837353-30EB-4A48-80EB-173D804AEFBD}" type="slidenum">
+              <a:rPr lang="zh-CN" altLang="en-US" smtClean="0"/>
+              <a:pPr/>
+              <a:t>24</a:t>
+            </a:fld>
+            <a:endParaRPr lang="zh-CN" altLang="en-US"/>
+          </a:p>
+        </p:txBody>
+      </p:sp>
+    </p:spTree>
+  </p:cSld>
+  <p:clrMapOvr>
+    <a:masterClrMapping/>
+  </p:clrMapOvr>
+</p:notes>
+</file>
+
+<file path=ppt/notesSlides/notesSlide3.xml><?xml version="1.0" encoding="utf-8"?>
+<p:notes xmlns:a="http://schemas.openxmlformats.org/drawingml/2006/main" xmlns:r="http://schemas.openxmlformats.org/officeDocument/2006/relationships" xmlns:p="http://schemas.openxmlformats.org/presentationml/2006/main">
+  <p:cSld>
+    <p:spTree>
+      <p:nvGrpSpPr>
+        <p:cNvPr id="1" name=""/>
+        <p:cNvGrpSpPr/>
+        <p:nvPr/>
+      </p:nvGrpSpPr>
+      <p:grpSpPr>
+        <a:xfrm>
+          <a:off x="0" y="0"/>
+          <a:ext cx="0" cy="0"/>
+          <a:chOff x="0" y="0"/>
+          <a:chExt cx="0" cy="0"/>
+        </a:xfrm>
+      </p:grpSpPr>
+      <p:sp>
+        <p:nvSpPr>
+          <p:cNvPr id="2" name="幻灯片图像占位符 1"/>
+          <p:cNvSpPr>
+            <a:spLocks noGrp="1" noRot="1" noChangeAspect="1"/>
+          </p:cNvSpPr>
+          <p:nvPr>
+            <p:ph type="sldImg"/>
+          </p:nvPr>
+        </p:nvSpPr>
+        <p:spPr/>
+      </p:sp>
+      <p:sp>
+        <p:nvSpPr>
+          <p:cNvPr id="3" name="备注占位符 2"/>
+          <p:cNvSpPr>
+            <a:spLocks noGrp="1"/>
+          </p:cNvSpPr>
+          <p:nvPr>
+            <p:ph type="body" idx="1"/>
+          </p:nvPr>
+        </p:nvSpPr>
+        <p:spPr/>
+        <p:txBody>
+          <a:bodyPr>
+            <a:normAutofit/>
+          </a:bodyPr>
+          <a:lstStyle/>
+          <a:p>
+            <a:r>
+              <a:rPr lang="en-US" smtClean="0">
+                <a:hlinkClick r:id="rId3"/>
+              </a:rPr>
+              <a:t>https://www.cyhone.com/articles/analysis-of-libco/</a:t>
+            </a:r>
+            <a:endParaRPr lang="en-US" smtClean="0"/>
+          </a:p>
+          <a:p>
+            <a:endParaRPr lang="en-US" altLang="zh-CN" smtClean="0"/>
+          </a:p>
+          <a:p>
+            <a:r>
+              <a:rPr lang="en-US" smtClean="0">
+                <a:hlinkClick r:id="rId4"/>
+              </a:rPr>
+              <a:t>https://www.cyhone.com/articles/analysis-of-cloudwu-coroutine/</a:t>
+            </a:r>
+            <a:r>
+              <a:rPr lang="en-US" smtClean="0">
+                <a:hlinkClick r:id="rId5"/>
+              </a:rPr>
+              <a:t>https://www.boost.org/doc/libs/1_54_0/doc/html/boost_asio/overview/core/coroutine.html</a:t>
+            </a:r>
+            <a:endParaRPr lang="zh-CN" altLang="en-US"/>
+          </a:p>
+        </p:txBody>
+      </p:sp>
+      <p:sp>
+        <p:nvSpPr>
+          <p:cNvPr id="4" name="灯片编号占位符 3"/>
+          <p:cNvSpPr>
+            <a:spLocks noGrp="1"/>
+          </p:cNvSpPr>
+          <p:nvPr>
+            <p:ph type="sldNum" sz="quarter" idx="10"/>
+          </p:nvPr>
+        </p:nvSpPr>
+        <p:spPr/>
+        <p:txBody>
+          <a:bodyPr/>
+          <a:lstStyle/>
+          <a:p>
+            <a:fld id="{A6837353-30EB-4A48-80EB-173D804AEFBD}" type="slidenum">
+              <a:rPr lang="zh-CN" altLang="en-US" smtClean="0"/>
+              <a:pPr/>
+              <a:t>25</a:t>
             </a:fld>
             <a:endParaRPr lang="zh-CN" altLang="en-US"/>
           </a:p>
@@ -6583,20 +6818,8 @@
           <a:lstStyle/>
           <a:p>
             <a:r>
-              <a:rPr lang="en-US" altLang="zh-CN" smtClean="0"/>
-              <a:t> </a:t>
-            </a:r>
-            <a:r>
               <a:rPr smtClean="0"/>
-              <a:t>第一天</a:t>
-            </a:r>
-            <a:r>
-              <a:rPr smtClean="0"/>
-              <a:t>：</a:t>
-            </a:r>
-            <a:r>
-              <a:rPr smtClean="0"/>
-              <a:t>协程   </a:t>
+              <a:t>第一天：协程</a:t>
             </a:r>
             <a:endParaRPr lang="zh-CN" altLang="en-US"/>
           </a:p>
@@ -6615,9 +6838,59 @@
         <p:spPr/>
         <p:txBody>
           <a:bodyPr>
-            <a:normAutofit/>
+            <a:normAutofit fontScale="85000" lnSpcReduction="10000"/>
           </a:bodyPr>
           <a:lstStyle/>
+          <a:p>
+            <a:pPr>
+              <a:buNone/>
+            </a:pPr>
+            <a:r>
+              <a:rPr altLang="en-US" smtClean="0"/>
+              <a:t>参考资料</a:t>
+            </a:r>
+            <a:endParaRPr lang="en-US" altLang="en-US" smtClean="0"/>
+          </a:p>
+          <a:p>
+            <a:pPr>
+              <a:buFont typeface="Wingdings" pitchFamily="2" charset="2"/>
+              <a:buChar char="ü"/>
+            </a:pPr>
+            <a:r>
+              <a:rPr lang="en-US" altLang="zh-CN" smtClean="0"/>
+              <a:t>Boost</a:t>
+            </a:r>
+            <a:r>
+              <a:rPr smtClean="0"/>
+              <a:t>文档</a:t>
+            </a:r>
+            <a:endParaRPr lang="en-US" smtClean="0"/>
+          </a:p>
+          <a:p>
+            <a:pPr>
+              <a:buFont typeface="Wingdings" pitchFamily="2" charset="2"/>
+              <a:buChar char="ü"/>
+            </a:pPr>
+            <a:r>
+              <a:rPr lang="en-US" altLang="zh-CN" smtClean="0"/>
+              <a:t>Cpp2015</a:t>
+            </a:r>
+            <a:r>
+              <a:rPr smtClean="0"/>
+              <a:t>大会 </a:t>
+            </a:r>
+            <a:endParaRPr lang="en-US" smtClean="0"/>
+          </a:p>
+          <a:p>
+            <a:pPr>
+              <a:buFont typeface="Wingdings" pitchFamily="2" charset="2"/>
+              <a:buChar char="ü"/>
+            </a:pPr>
+            <a:r>
+              <a:rPr lang="en-US" altLang="zh-CN" smtClean="0"/>
+              <a:t>c++11</a:t>
+            </a:r>
+          </a:p>
           <a:p>
             <a:pPr>
               <a:buNone/>
@@ -6625,13 +6898,28 @@
             <a:endParaRPr lang="en-US" altLang="zh-CN" smtClean="0"/>
           </a:p>
           <a:p>
+            <a:pPr>
+              <a:buFont typeface="Wingdings" pitchFamily="2" charset="2"/>
+              <a:buChar char="ü"/>
+            </a:pPr>
+            <a:r>
+              <a:rPr lang="en-US" altLang="zh-CN" smtClean="0"/>
+              <a:t>Python</a:t>
+            </a:r>
+            <a:endParaRPr lang="en-US" altLang="zh-CN" smtClean="0"/>
+          </a:p>
+          <a:p>
+            <a:pPr>
+              <a:buFont typeface="Wingdings" pitchFamily="2" charset="2"/>
+              <a:buChar char="ü"/>
+            </a:pPr>
+            <a:r>
+              <a:rPr lang="en-US" altLang="zh-CN" smtClean="0"/>
+              <a:t>js</a:t>
+            </a:r>
             <a:r>
               <a:rPr smtClean="0"/>
-              <a:t>一、这个技术出现的背景、</a:t>
-            </a:r>
-            <a:r>
-              <a:rPr smtClean="0"/>
-              <a:t>初衷和要达到什么样的目标或是要解决什么样的问题</a:t>
+              <a:t>实现</a:t>
             </a:r>
             <a:endParaRPr lang="en-US" smtClean="0"/>
           </a:p>
@@ -6639,43 +6927,115 @@
             <a:pPr>
               <a:buNone/>
             </a:pPr>
-            <a:endParaRPr smtClean="0"/>
-          </a:p>
-          <a:p>
             <a:r>
               <a:rPr smtClean="0"/>
-              <a:t>二</a:t>
+              <a:t>腾讯</a:t>
+            </a:r>
+            <a:r>
+              <a:rPr lang="en-US" b="1" smtClean="0"/>
+              <a:t>libco </a:t>
+            </a:r>
+            <a:r>
+              <a:rPr lang="en-US" smtClean="0"/>
+              <a:t>stackfull</a:t>
             </a:r>
             <a:r>
               <a:rPr smtClean="0"/>
-              <a:t>、这个技术的优势和劣势分别是什么 </a:t>
-            </a:r>
-            <a:endParaRPr lang="en-US" smtClean="0"/>
-          </a:p>
-          <a:p>
-            <a:endParaRPr lang="en-US" smtClean="0"/>
-          </a:p>
-          <a:p>
-            <a:endParaRPr smtClean="0"/>
-          </a:p>
-          <a:p>
+              <a:t>协程 每个协程有完整的私有堆栈</a:t>
+            </a:r>
             <a:r>
               <a:rPr smtClean="0"/>
-              <a:t>三、这个技术适用的场景。任何技术都有其适用的场景，</a:t>
+              <a:t>，里面的</a:t>
+            </a:r>
+            <a:r>
+              <a:rPr b="1" smtClean="0"/>
+              <a:t>核心</a:t>
             </a:r>
             <a:r>
               <a:rPr smtClean="0"/>
-              <a:t>离开了这个场景</a:t>
-            </a:r>
-            <a:endParaRPr lang="en-US" smtClean="0"/>
-          </a:p>
-          <a:p>
-            <a:endParaRPr smtClean="0"/>
+              <a:t>就是</a:t>
+            </a:r>
+            <a:r>
+              <a:rPr b="1" smtClean="0"/>
+              <a:t>上下文切换</a:t>
+            </a:r>
+            <a:r>
+              <a:rPr lang="en-US" altLang="zh-CN" b="1" smtClean="0"/>
+              <a:t>(</a:t>
+            </a:r>
+            <a:r>
+              <a:rPr lang="en-US" b="1" smtClean="0"/>
+              <a:t>context)</a:t>
+            </a:r>
+            <a:endParaRPr lang="en-US" b="1" smtClean="0"/>
           </a:p>
           <a:p>
             <a:pPr>
               <a:buNone/>
             </a:pPr>
+            <a:r>
+              <a:rPr lang="en-US" b="1" smtClean="0"/>
+              <a:t>boost </a:t>
+            </a:r>
+            <a:r>
+              <a:rPr lang="en-US" b="1" smtClean="0"/>
+              <a:t>coroutine 2</a:t>
+            </a:r>
+            <a:r>
+              <a:rPr b="1" smtClean="0"/>
+              <a:t>个都有</a:t>
+            </a:r>
+            <a:endParaRPr lang="en-US" b="1" smtClean="0"/>
+          </a:p>
+          <a:p>
+            <a:r>
+              <a:rPr smtClean="0"/>
+              <a:t>  </a:t>
+            </a:r>
+            <a:r>
+              <a:rPr lang="en-US" altLang="zh-CN" smtClean="0"/>
+              <a:t>libgo </a:t>
+            </a:r>
+            <a:r>
+              <a:rPr smtClean="0"/>
+              <a:t>是一个使用 </a:t>
+            </a:r>
+            <a:r>
+              <a:rPr lang="en-US" altLang="zh-CN" smtClean="0"/>
+              <a:t>C++ </a:t>
+            </a:r>
+            <a:r>
+              <a:rPr smtClean="0"/>
+              <a:t>编写的协作式调度的</a:t>
+            </a:r>
+            <a:r>
+              <a:rPr lang="en-US" altLang="zh-CN" smtClean="0"/>
+              <a:t>stackful</a:t>
+            </a:r>
+            <a:r>
+              <a:rPr smtClean="0"/>
+              <a:t>协程库</a:t>
+            </a:r>
+            <a:r>
+              <a:rPr lang="en-US" altLang="zh-CN" smtClean="0"/>
+              <a:t>, </a:t>
+            </a:r>
+            <a:r>
+              <a:rPr smtClean="0"/>
+              <a:t>同时也是一个强大的并行编程库。</a:t>
+            </a:r>
+          </a:p>
+          <a:p>
+            <a:pPr>
+              <a:buNone/>
+            </a:pPr>
+            <a:r>
+              <a:rPr smtClean="0"/>
+              <a:t/>
+            </a:r>
+            <a:br>
+              <a:rPr smtClean="0"/>
+            </a:br>
             <a:endParaRPr lang="zh-CN" altLang="en-US"/>
           </a:p>
         </p:txBody>
@@ -6721,12 +7081,158 @@
           <a:lstStyle/>
           <a:p>
             <a:r>
+              <a:rPr lang="en-US" altLang="zh-CN" smtClean="0"/>
+              <a:t> </a:t>
+            </a:r>
+            <a:r>
               <a:rPr smtClean="0"/>
-              <a:t> 第一天</a:t>
-            </a:r>
+              <a:t>第一天：协程   </a:t>
+            </a:r>
+            <a:endParaRPr lang="zh-CN" altLang="en-US"/>
+          </a:p>
+        </p:txBody>
+      </p:sp>
+      <p:sp>
+        <p:nvSpPr>
+          <p:cNvPr id="3" name="内容占位符 2"/>
+          <p:cNvSpPr>
+            <a:spLocks noGrp="1"/>
+          </p:cNvSpPr>
+          <p:nvPr>
+            <p:ph idx="1"/>
+          </p:nvPr>
+        </p:nvSpPr>
+        <p:spPr/>
+        <p:txBody>
+          <a:bodyPr>
+            <a:normAutofit/>
+          </a:bodyPr>
+          <a:lstStyle/>
+          <a:p>
+            <a:pPr>
+              <a:buNone/>
+            </a:pPr>
+            <a:endParaRPr lang="en-US" altLang="zh-CN" smtClean="0"/>
+          </a:p>
+          <a:p>
             <a:r>
               <a:rPr smtClean="0"/>
-              <a:t>：协程</a:t>
+              <a:t>一、这个技术出现的背景、初衷和要达到什么样的目标或是要解决什么样的问题</a:t>
+            </a:r>
+            <a:endParaRPr lang="en-US" smtClean="0"/>
+          </a:p>
+          <a:p>
+            <a:pPr>
+              <a:buNone/>
+            </a:pPr>
+            <a:r>
+              <a:rPr lang="en-US" altLang="zh-CN" smtClean="0"/>
+              <a:t>     Stackless Resumable Functions </a:t>
+            </a:r>
+            <a:br>
+              <a:rPr lang="en-US" altLang="zh-CN" smtClean="0"/>
+            </a:br>
+            <a:r>
+              <a:rPr lang="en-US" altLang="zh-CN" smtClean="0"/>
+              <a:t> </a:t>
+            </a:r>
+            <a:r>
+              <a:rPr smtClean="0"/>
+              <a:t>协程是计算机程序组件，通过允许挂起和恢复执行来描述非抢占式多任务处理的子例程。     </a:t>
+            </a:r>
+            <a:r>
+              <a:rPr lang="en-US" altLang="zh-CN" smtClean="0"/>
+              <a:t>----   </a:t>
+            </a:r>
+            <a:r>
+              <a:rPr smtClean="0"/>
+              <a:t>维基百科</a:t>
+            </a:r>
+          </a:p>
+          <a:p>
+            <a:r>
+              <a:rPr smtClean="0"/>
+              <a:t>二、这个技术的优势和劣势分别是什么 </a:t>
+            </a:r>
+            <a:endParaRPr lang="en-US" smtClean="0"/>
+          </a:p>
+          <a:p>
+            <a:endParaRPr lang="en-US" smtClean="0"/>
+          </a:p>
+          <a:p>
+            <a:endParaRPr smtClean="0"/>
+          </a:p>
+          <a:p>
+            <a:r>
+              <a:rPr smtClean="0"/>
+              <a:t>三、这个技术适用的场景。任何技术都有其适用的场景，离开了这个场景</a:t>
+            </a:r>
+            <a:endParaRPr lang="en-US" smtClean="0"/>
+          </a:p>
+          <a:p>
+            <a:pPr>
+              <a:buNone/>
+            </a:pPr>
+            <a:r>
+              <a:rPr lang="en-US" smtClean="0"/>
+              <a:t> (1)  </a:t>
+            </a:r>
+            <a:r>
+              <a:rPr smtClean="0"/>
+              <a:t>容器化部署服务使用协程序代替多线程（状态驱动异步非阻塞，消息队列通知同步协作）</a:t>
+            </a:r>
+          </a:p>
+          <a:p>
+            <a:pPr>
+              <a:buNone/>
+            </a:pPr>
+            <a:endParaRPr lang="zh-CN" altLang="en-US"/>
+          </a:p>
+        </p:txBody>
+      </p:sp>
+    </p:spTree>
+  </p:cSld>
+  <p:clrMapOvr>
+    <a:masterClrMapping/>
+  </p:clrMapOvr>
+</p:sld>
+</file>
+
+<file path=ppt/slides/slide25.xml><?xml version="1.0" encoding="utf-8"?>
+<p:sld xmlns:a="http://schemas.openxmlformats.org/drawingml/2006/main" xmlns:r="http://schemas.openxmlformats.org/officeDocument/2006/relationships" xmlns:p="http://schemas.openxmlformats.org/presentationml/2006/main">
+  <p:cSld>
+    <p:spTree>
+      <p:nvGrpSpPr>
+        <p:cNvPr id="1" name=""/>
+        <p:cNvGrpSpPr/>
+        <p:nvPr/>
+      </p:nvGrpSpPr>
+      <p:grpSpPr>
+        <a:xfrm>
+          <a:off x="0" y="0"/>
+          <a:ext cx="0" cy="0"/>
+          <a:chOff x="0" y="0"/>
+          <a:chExt cx="0" cy="0"/>
+        </a:xfrm>
+      </p:grpSpPr>
+      <p:sp>
+        <p:nvSpPr>
+          <p:cNvPr id="2" name="标题 1"/>
+          <p:cNvSpPr>
+            <a:spLocks noGrp="1"/>
+          </p:cNvSpPr>
+          <p:nvPr>
+            <p:ph type="title"/>
+          </p:nvPr>
+        </p:nvSpPr>
+        <p:spPr/>
+        <p:txBody>
+          <a:bodyPr/>
+          <a:lstStyle/>
+          <a:p>
+            <a:r>
+              <a:rPr smtClean="0"/>
+              <a:t> 第一天：协程</a:t>
             </a:r>
             <a:endParaRPr lang="zh-CN" altLang="en-US"/>
           </a:p>
@@ -6770,52 +7276,13 @@
             </a:pPr>
             <a:r>
               <a:rPr smtClean="0"/>
-              <a:t>    </a:t>
-            </a:r>
-            <a:r>
-              <a:rPr lang="en-US" altLang="zh-CN" smtClean="0"/>
-              <a:t>Stackless Resumable Functions </a:t>
-            </a:r>
-            <a:br>
-              <a:rPr lang="en-US" altLang="zh-CN" smtClean="0"/>
-            </a:br>
-            <a:r>
-              <a:rPr lang="en-US" altLang="zh-CN" smtClean="0"/>
-              <a:t> </a:t>
-            </a:r>
-            <a:r>
-              <a:rPr smtClean="0"/>
-              <a:t>协程是计算机程序组件</a:t>
-            </a:r>
-            <a:r>
-              <a:rPr smtClean="0"/>
-              <a:t>，通过允许挂起和恢复执行来描述非抢占式多任务处理的子例程。 </a:t>
-            </a:r>
-            <a:r>
-              <a:rPr smtClean="0"/>
-              <a:t>    </a:t>
-            </a:r>
-            <a:r>
-              <a:rPr lang="en-US" altLang="zh-CN" smtClean="0"/>
-              <a:t>----   </a:t>
-            </a:r>
-            <a:r>
-              <a:rPr smtClean="0"/>
-              <a:t>维基百科</a:t>
-            </a:r>
-            <a:endParaRPr smtClean="0"/>
+              <a:t>  </a:t>
+            </a:r>
           </a:p>
           <a:p>
             <a:pPr>
               <a:buNone/>
             </a:pPr>
-            <a:r>
-              <a:rPr smtClean="0"/>
-              <a:t/>
-            </a:r>
-            <a:br>
-              <a:rPr smtClean="0"/>
-            </a:br>
             <a:endParaRPr smtClean="0"/>
           </a:p>
           <a:p>
